--- a/_doc/WebProg_Projekt.pptx
+++ b/_doc/WebProg_Projekt.pptx
@@ -362,13 +362,18 @@
           <a:p>
             <a:fld id="{11EAE59A-F377-43C7-9B57-ABC1B2C2A4A6}" type="slidenum">
               <a:rPr lang="de-CH" smtClean="0"/>
-              <a:t>‹Nr.›</a:t>
+              <a:t>‹#›</a:t>
             </a:fld>
             <a:endParaRPr lang="de-CH"/>
           </a:p>
         </p:txBody>
       </p:sp>
     </p:spTree>
+    <p:extLst>
+      <p:ext uri="{BB962C8B-B14F-4D97-AF65-F5344CB8AC3E}">
+        <p14:creationId xmlns:p14="http://schemas.microsoft.com/office/powerpoint/2010/main" val="123894909"/>
+      </p:ext>
+    </p:extLst>
   </p:cSld>
   <p:clrMap bg1="lt1" tx1="dk1" bg2="lt2" tx2="dk2" accent1="accent1" accent2="accent2" accent3="accent3" accent4="accent4" accent5="accent5" accent6="accent6" hlink="hlink" folHlink="folHlink"/>
   <p:notesStyle>
@@ -979,7 +984,7 @@
           <a:p>
             <a:fld id="{A812E00C-4874-474D-8BAC-43B64AB4C925}" type="slidenum">
               <a:rPr lang="de-CH" smtClean="0"/>
-              <a:t>‹Nr.›</a:t>
+              <a:t>‹#›</a:t>
             </a:fld>
             <a:endParaRPr lang="de-CH"/>
           </a:p>
@@ -1189,7 +1194,7 @@
           <a:p>
             <a:fld id="{A812E00C-4874-474D-8BAC-43B64AB4C925}" type="slidenum">
               <a:rPr lang="de-CH" smtClean="0"/>
-              <a:t>‹Nr.›</a:t>
+              <a:t>‹#›</a:t>
             </a:fld>
             <a:endParaRPr lang="de-CH"/>
           </a:p>
@@ -1599,7 +1604,7 @@
           <a:p>
             <a:fld id="{A812E00C-4874-474D-8BAC-43B64AB4C925}" type="slidenum">
               <a:rPr lang="de-CH" smtClean="0"/>
-              <a:t>‹Nr.›</a:t>
+              <a:t>‹#›</a:t>
             </a:fld>
             <a:endParaRPr lang="de-CH"/>
           </a:p>
@@ -1867,7 +1872,7 @@
           <a:p>
             <a:fld id="{A812E00C-4874-474D-8BAC-43B64AB4C925}" type="slidenum">
               <a:rPr lang="de-CH" smtClean="0"/>
-              <a:t>‹Nr.›</a:t>
+              <a:t>‹#›</a:t>
             </a:fld>
             <a:endParaRPr lang="de-CH"/>
           </a:p>
@@ -2539,7 +2544,7 @@
           <a:p>
             <a:fld id="{A812E00C-4874-474D-8BAC-43B64AB4C925}" type="slidenum">
               <a:rPr lang="de-CH" smtClean="0"/>
-              <a:t>‹Nr.›</a:t>
+              <a:t>‹#›</a:t>
             </a:fld>
             <a:endParaRPr lang="de-CH"/>
           </a:p>
@@ -2708,7 +2713,7 @@
           <a:p>
             <a:fld id="{A812E00C-4874-474D-8BAC-43B64AB4C925}" type="slidenum">
               <a:rPr lang="de-CH" smtClean="0"/>
-              <a:t>‹Nr.›</a:t>
+              <a:t>‹#›</a:t>
             </a:fld>
             <a:endParaRPr lang="de-CH"/>
           </a:p>
@@ -3671,7 +3676,7 @@
           <a:p>
             <a:fld id="{A812E00C-4874-474D-8BAC-43B64AB4C925}" type="slidenum">
               <a:rPr lang="de-CH" smtClean="0"/>
-              <a:t>‹Nr.›</a:t>
+              <a:t>‹#›</a:t>
             </a:fld>
             <a:endParaRPr lang="de-CH"/>
           </a:p>
@@ -3816,7 +3821,7 @@
           <a:p>
             <a:fld id="{A812E00C-4874-474D-8BAC-43B64AB4C925}" type="slidenum">
               <a:rPr lang="de-CH" smtClean="0"/>
-              <a:t>‹Nr.›</a:t>
+              <a:t>‹#›</a:t>
             </a:fld>
             <a:endParaRPr lang="de-CH"/>
           </a:p>
@@ -4141,7 +4146,7 @@
           <a:p>
             <a:fld id="{A812E00C-4874-474D-8BAC-43B64AB4C925}" type="slidenum">
               <a:rPr lang="de-CH" smtClean="0"/>
-              <a:t>‹Nr.›</a:t>
+              <a:t>‹#›</a:t>
             </a:fld>
             <a:endParaRPr lang="de-CH"/>
           </a:p>
@@ -4759,7 +4764,7 @@
           <a:p>
             <a:fld id="{A812E00C-4874-474D-8BAC-43B64AB4C925}" type="slidenum">
               <a:rPr lang="de-CH" smtClean="0"/>
-              <a:t>‹Nr.›</a:t>
+              <a:t>‹#›</a:t>
             </a:fld>
             <a:endParaRPr lang="de-CH"/>
           </a:p>
@@ -5297,7 +5302,7 @@
           <a:p>
             <a:fld id="{A812E00C-4874-474D-8BAC-43B64AB4C925}" type="slidenum">
               <a:rPr lang="de-CH" smtClean="0"/>
-              <a:t>‹Nr.›</a:t>
+              <a:t>‹#›</a:t>
             </a:fld>
             <a:endParaRPr lang="de-CH"/>
           </a:p>
@@ -6017,7 +6022,7 @@
           <a:p>
             <a:fld id="{A812E00C-4874-474D-8BAC-43B64AB4C925}" type="slidenum">
               <a:rPr lang="de-CH" smtClean="0"/>
-              <a:t>‹Nr.›</a:t>
+              <a:t>‹#›</a:t>
             </a:fld>
             <a:endParaRPr lang="de-CH"/>
           </a:p>
@@ -6936,7 +6941,6 @@
               <a:rPr lang="de-CH" dirty="0" smtClean="0"/>
               <a:t>Vor und Nachteile eines PHP Frameworks aufzeigen</a:t>
             </a:r>
-            <a:endParaRPr lang="de-CH" dirty="0" smtClean="0"/>
           </a:p>
           <a:p>
             <a:pPr lvl="1"/>
@@ -6949,9 +6953,19 @@
             <a:pPr lvl="2"/>
             <a:r>
               <a:rPr lang="de-CH" dirty="0" smtClean="0"/>
-              <a:t>Einfacher und sehr strukturierter Aufbau</a:t>
-            </a:r>
-            <a:endParaRPr lang="de-CH" dirty="0" smtClean="0"/>
+              <a:t>Einfacher und sehr strukturierter </a:t>
+            </a:r>
+            <a:r>
+              <a:rPr lang="de-CH" dirty="0" smtClean="0"/>
+              <a:t>Aufbau</a:t>
+            </a:r>
+          </a:p>
+          <a:p>
+            <a:pPr lvl="2"/>
+            <a:r>
+              <a:rPr lang="de-CH" dirty="0" smtClean="0"/>
+              <a:t>Diverse bereits implementierte Funktionalitäten</a:t>
+            </a:r>
           </a:p>
           <a:p>
             <a:pPr lvl="1"/>
@@ -6959,12 +6973,25 @@
               <a:rPr lang="de-CH" dirty="0" smtClean="0"/>
               <a:t>Nachteile</a:t>
             </a:r>
+            <a:endParaRPr lang="de-CH" dirty="0" smtClean="0"/>
           </a:p>
           <a:p>
             <a:pPr lvl="2"/>
             <a:r>
               <a:rPr lang="de-CH" dirty="0" smtClean="0"/>
-              <a:t>Performance ist bei sehr grossen Zugriff nicht so effizient. </a:t>
+              <a:t>Performance </a:t>
+            </a:r>
+            <a:r>
+              <a:rPr lang="de-CH" dirty="0" smtClean="0"/>
+              <a:t>bei </a:t>
+            </a:r>
+            <a:r>
+              <a:rPr lang="de-CH" dirty="0" smtClean="0"/>
+              <a:t>sehr grossen Zugriff nicht so </a:t>
+            </a:r>
+            <a:r>
+              <a:rPr lang="de-CH" dirty="0" smtClean="0"/>
+              <a:t>effizient</a:t>
             </a:r>
             <a:endParaRPr lang="de-CH" dirty="0" smtClean="0"/>
           </a:p>
@@ -7347,7 +7374,7 @@
           <a:blip r:embed="rId2" cstate="print">
             <a:extLst>
               <a:ext uri="{28A0092B-C50C-407E-A947-70E740481C1C}">
-                <a14:useLocalDpi xmlns:ve="http://schemas.openxmlformats.org/markup-compatibility/2006" xmlns:m="http://schemas.openxmlformats.org/officeDocument/2006/math" xmlns:wp="http://schemas.openxmlformats.org/drawingml/2006/wordprocessingDrawing" xmlns:wne="http://schemas.microsoft.com/office/word/2006/wordml" xmlns:a14="http://schemas.microsoft.com/office/drawing/2010/main" xmlns:wps="http://schemas.microsoft.com/office/word/2010/wordprocessingShape" xmlns:wpi="http://schemas.microsoft.com/office/word/2010/wordprocessingInk" xmlns:wpg="http://schemas.microsoft.com/office/word/2010/wordprocessingGroup" xmlns:w15="http://schemas.microsoft.com/office/word/2012/wordml" xmlns:w14="http://schemas.microsoft.com/office/word/2010/wordml" xmlns:w="http://schemas.openxmlformats.org/wordprocessingml/2006/main" xmlns:w10="urn:schemas-microsoft-com:office:word" xmlns:wp14="http://schemas.microsoft.com/office/word/2010/wordprocessingDrawing" xmlns:v="urn:schemas-microsoft-com:vml" xmlns:o="urn:schemas-microsoft-com:office:office" xmlns:mc="http://schemas.openxmlformats.org/markup-compatibility/2006" xmlns:wpc="http://schemas.microsoft.com/office/word/2010/wordprocessingCanvas" xmlns="" xmlns:pic="http://schemas.openxmlformats.org/drawingml/2006/picture" xmlns:lc="http://schemas.openxmlformats.org/drawingml/2006/lockedCanvas" val="0"/>
+                <a14:useLocalDpi xmlns:a14="http://schemas.microsoft.com/office/drawing/2010/main" val="0"/>
               </a:ext>
             </a:extLst>
           </a:blip>
@@ -7386,7 +7413,7 @@
           <a:blip r:embed="rId3" cstate="print">
             <a:extLst>
               <a:ext uri="{28A0092B-C50C-407E-A947-70E740481C1C}">
-                <a14:useLocalDpi xmlns:ve="http://schemas.openxmlformats.org/markup-compatibility/2006" xmlns:m="http://schemas.openxmlformats.org/officeDocument/2006/math" xmlns:wp="http://schemas.openxmlformats.org/drawingml/2006/wordprocessingDrawing" xmlns:wne="http://schemas.microsoft.com/office/word/2006/wordml" xmlns:a14="http://schemas.microsoft.com/office/drawing/2010/main" xmlns:wps="http://schemas.microsoft.com/office/word/2010/wordprocessingShape" xmlns:wpi="http://schemas.microsoft.com/office/word/2010/wordprocessingInk" xmlns:wpg="http://schemas.microsoft.com/office/word/2010/wordprocessingGroup" xmlns:w15="http://schemas.microsoft.com/office/word/2012/wordml" xmlns:w14="http://schemas.microsoft.com/office/word/2010/wordml" xmlns:w="http://schemas.openxmlformats.org/wordprocessingml/2006/main" xmlns:w10="urn:schemas-microsoft-com:office:word" xmlns:wp14="http://schemas.microsoft.com/office/word/2010/wordprocessingDrawing" xmlns:v="urn:schemas-microsoft-com:vml" xmlns:o="urn:schemas-microsoft-com:office:office" xmlns:mc="http://schemas.openxmlformats.org/markup-compatibility/2006" xmlns:wpc="http://schemas.microsoft.com/office/word/2010/wordprocessingCanvas" xmlns="" xmlns:pic="http://schemas.openxmlformats.org/drawingml/2006/picture" xmlns:lc="http://schemas.openxmlformats.org/drawingml/2006/lockedCanvas" val="0"/>
+                <a14:useLocalDpi xmlns:a14="http://schemas.microsoft.com/office/drawing/2010/main" val="0"/>
               </a:ext>
             </a:extLst>
           </a:blip>
@@ -7590,7 +7617,7 @@
           <a:p>
             <a:r>
               <a:rPr lang="de-CH" dirty="0" smtClean="0"/>
-              <a:t>Migration</a:t>
+              <a:t>Migration (Yii)</a:t>
             </a:r>
             <a:endParaRPr lang="de-CH" dirty="0" smtClean="0"/>
           </a:p>
@@ -7624,17 +7651,12 @@
               <a:rPr lang="de-CH" dirty="0" smtClean="0"/>
               <a:t> nötig</a:t>
             </a:r>
-            <a:endParaRPr lang="de-CH" dirty="0" smtClean="0"/>
           </a:p>
           <a:p>
             <a:pPr lvl="1"/>
             <a:r>
               <a:rPr lang="de-CH" dirty="0" smtClean="0"/>
-              <a:t>Nur Änderungen zur letzten </a:t>
-            </a:r>
-            <a:r>
-              <a:rPr lang="de-CH" dirty="0" smtClean="0"/>
-              <a:t>Version</a:t>
+              <a:t>Nur Änderungen zur letzten Version</a:t>
             </a:r>
           </a:p>
           <a:p>
@@ -7664,7 +7686,6 @@
               <a:rPr lang="de-CH" dirty="0" smtClean="0"/>
               <a:t> ist als Extension implementiert</a:t>
             </a:r>
-            <a:endParaRPr lang="de-CH" dirty="0" smtClean="0"/>
           </a:p>
           <a:p>
             <a:endParaRPr lang="de-CH" dirty="0" smtClean="0"/>
@@ -7816,25 +7837,37 @@
             <a:pPr lvl="0"/>
             <a:r>
               <a:rPr lang="de-CH" dirty="0" smtClean="0"/>
-              <a:t>Benutzer registrieren</a:t>
-            </a:r>
+              <a:t>Benutzer </a:t>
+            </a:r>
+            <a:r>
+              <a:rPr lang="de-CH" dirty="0" smtClean="0"/>
+              <a:t>registrieren</a:t>
+            </a:r>
+          </a:p>
+          <a:p>
+            <a:pPr lvl="1"/>
+            <a:r>
+              <a:rPr lang="de-CH" dirty="0" smtClean="0"/>
+              <a:t>Aktivierungsmail</a:t>
+            </a:r>
+            <a:endParaRPr lang="de-CH" dirty="0" smtClean="0"/>
           </a:p>
           <a:p>
             <a:pPr lvl="0"/>
             <a:r>
               <a:rPr lang="de-CH" dirty="0" smtClean="0"/>
-              <a:t>Benutzer </a:t>
-            </a:r>
+              <a:t>Benutzer einloggen</a:t>
+            </a:r>
+          </a:p>
+          <a:p>
+            <a:pPr lvl="1"/>
             <a:r>
               <a:rPr lang="de-CH" dirty="0" smtClean="0"/>
-              <a:t>einloggen</a:t>
-            </a:r>
-          </a:p>
-          <a:p>
-            <a:pPr lvl="1"/>
+              <a:t>Benutzer hat das Passwort </a:t>
+            </a:r>
             <a:r>
               <a:rPr lang="de-CH" dirty="0" smtClean="0"/>
-              <a:t>Benutzer hat das Passwort vergessen</a:t>
+              <a:t>vergessen (Mail)</a:t>
             </a:r>
             <a:endParaRPr lang="de-CH" dirty="0" smtClean="0"/>
           </a:p>
@@ -7849,18 +7882,14 @@
             <a:pPr lvl="0"/>
             <a:r>
               <a:rPr lang="de-CH" dirty="0" smtClean="0"/>
-              <a:t>Mobiles </a:t>
-            </a:r>
+              <a:t>Mobiles Design</a:t>
+            </a:r>
+          </a:p>
+          <a:p>
+            <a:pPr lvl="1"/>
             <a:r>
               <a:rPr lang="de-CH" dirty="0" smtClean="0"/>
-              <a:t>Design</a:t>
-            </a:r>
-          </a:p>
-          <a:p>
-            <a:pPr lvl="1"/>
-            <a:r>
-              <a:rPr lang="de-CH" dirty="0" smtClean="0"/>
-              <a:t>Bootstrap</a:t>
+              <a:t>Bootstrap / jQuery</a:t>
             </a:r>
             <a:endParaRPr lang="de-CH" dirty="0" smtClean="0"/>
           </a:p>
@@ -7878,7 +7907,6 @@
               <a:rPr lang="de-CH" dirty="0" smtClean="0"/>
               <a:t>RSS Import</a:t>
             </a:r>
-            <a:endParaRPr lang="de-CH" dirty="0" smtClean="0"/>
           </a:p>
           <a:p>
             <a:endParaRPr lang="de-CH" dirty="0"/>
@@ -8026,7 +8054,17 @@
           <a:p>
             <a:r>
               <a:rPr lang="de-CH" dirty="0" smtClean="0"/>
-              <a:t>Direkt im Web</a:t>
+              <a:t>Direkt im </a:t>
+            </a:r>
+            <a:r>
+              <a:rPr lang="de-CH" dirty="0" smtClean="0"/>
+              <a:t>Web</a:t>
+            </a:r>
+          </a:p>
+          <a:p>
+            <a:r>
+              <a:rPr lang="de-CH" smtClean="0"/>
+              <a:t>CRUD-Generator</a:t>
             </a:r>
             <a:endParaRPr lang="de-CH" dirty="0"/>
           </a:p>
@@ -8229,16 +8267,20 @@
             <a:pPr lvl="1"/>
             <a:r>
               <a:rPr lang="de-CH" dirty="0" smtClean="0"/>
-              <a:t>Verwendet moderne Webtechnologien</a:t>
+              <a:t>Verwendet moderne </a:t>
             </a:r>
             <a:r>
               <a:rPr lang="de-CH" dirty="0" smtClean="0"/>
-              <a:t> </a:t>
-            </a:r>
+              <a:t>Webtechnologien</a:t>
+            </a:r>
+          </a:p>
+          <a:p>
+            <a:pPr lvl="2"/>
             <a:r>
               <a:rPr lang="de-CH" dirty="0" smtClean="0"/>
-              <a:t>(Composer)</a:t>
-            </a:r>
+              <a:t>Composer, Bootstrap, jQuery</a:t>
+            </a:r>
+            <a:endParaRPr lang="de-CH" dirty="0" smtClean="0"/>
           </a:p>
         </p:txBody>
       </p:sp>

--- a/_doc/WebProg_Projekt.pptx
+++ b/_doc/WebProg_Projekt.pptx
@@ -5,7 +5,7 @@
     <p:sldMasterId id="2147483672" r:id="rId1"/>
   </p:sldMasterIdLst>
   <p:notesMasterIdLst>
-    <p:notesMasterId r:id="rId12"/>
+    <p:notesMasterId r:id="rId13"/>
   </p:notesMasterIdLst>
   <p:sldIdLst>
     <p:sldId id="256" r:id="rId2"/>
@@ -13,11 +13,12 @@
     <p:sldId id="258" r:id="rId4"/>
     <p:sldId id="260" r:id="rId5"/>
     <p:sldId id="259" r:id="rId6"/>
-    <p:sldId id="261" r:id="rId7"/>
-    <p:sldId id="262" r:id="rId8"/>
-    <p:sldId id="264" r:id="rId9"/>
-    <p:sldId id="265" r:id="rId10"/>
-    <p:sldId id="266" r:id="rId11"/>
+    <p:sldId id="267" r:id="rId7"/>
+    <p:sldId id="261" r:id="rId8"/>
+    <p:sldId id="262" r:id="rId9"/>
+    <p:sldId id="264" r:id="rId10"/>
+    <p:sldId id="265" r:id="rId11"/>
+    <p:sldId id="266" r:id="rId12"/>
   </p:sldIdLst>
   <p:sldSz cx="9144000" cy="6858000" type="screen4x3"/>
   <p:notesSz cx="6858000" cy="9144000"/>
@@ -201,7 +202,8 @@
           <a:p>
             <a:fld id="{D74EC07F-9B1A-40AB-87E3-033540DD27F4}" type="datetimeFigureOut">
               <a:rPr lang="de-CH" smtClean="0"/>
-              <a:t>17.12.2014</a:t>
+              <a:pPr/>
+              <a:t>18.12.2014</a:t>
             </a:fld>
             <a:endParaRPr lang="de-CH"/>
           </a:p>
@@ -362,6 +364,7 @@
           <a:p>
             <a:fld id="{11EAE59A-F377-43C7-9B57-ABC1B2C2A4A6}" type="slidenum">
               <a:rPr lang="de-CH" smtClean="0"/>
+              <a:pPr/>
               <a:t>‹Nr.›</a:t>
             </a:fld>
             <a:endParaRPr lang="de-CH"/>
@@ -746,7 +749,8 @@
           <a:p>
             <a:fld id="{BDB12BF0-5CFE-42EF-8B51-20BC1141C02D}" type="datetime1">
               <a:rPr lang="de-CH" smtClean="0"/>
-              <a:t>17.12.2014</a:t>
+              <a:pPr/>
+              <a:t>18.12.2014</a:t>
             </a:fld>
             <a:endParaRPr lang="de-CH"/>
           </a:p>
@@ -979,6 +983,7 @@
           <a:p>
             <a:fld id="{A812E00C-4874-474D-8BAC-43B64AB4C925}" type="slidenum">
               <a:rPr lang="de-CH" smtClean="0"/>
+              <a:pPr/>
               <a:t>‹Nr.›</a:t>
             </a:fld>
             <a:endParaRPr lang="de-CH"/>
@@ -1143,7 +1148,8 @@
           <a:p>
             <a:fld id="{7C991B11-FF79-447A-A34F-9330C274D617}" type="datetime1">
               <a:rPr lang="de-CH" smtClean="0"/>
-              <a:t>17.12.2014</a:t>
+              <a:pPr/>
+              <a:t>18.12.2014</a:t>
             </a:fld>
             <a:endParaRPr lang="de-CH"/>
           </a:p>
@@ -1189,6 +1195,7 @@
           <a:p>
             <a:fld id="{A812E00C-4874-474D-8BAC-43B64AB4C925}" type="slidenum">
               <a:rPr lang="de-CH" smtClean="0"/>
+              <a:pPr/>
               <a:t>‹Nr.›</a:t>
             </a:fld>
             <a:endParaRPr lang="de-CH"/>
@@ -1599,6 +1606,7 @@
           <a:p>
             <a:fld id="{A812E00C-4874-474D-8BAC-43B64AB4C925}" type="slidenum">
               <a:rPr lang="de-CH" smtClean="0"/>
+              <a:pPr/>
               <a:t>‹Nr.›</a:t>
             </a:fld>
             <a:endParaRPr lang="de-CH"/>
@@ -1679,7 +1687,8 @@
           <a:p>
             <a:fld id="{2E5AA3CF-203E-4553-B107-AB72A26BFE24}" type="datetime1">
               <a:rPr lang="de-CH" smtClean="0"/>
-              <a:t>17.12.2014</a:t>
+              <a:pPr/>
+              <a:t>18.12.2014</a:t>
             </a:fld>
             <a:endParaRPr lang="de-CH"/>
           </a:p>
@@ -1816,7 +1825,8 @@
           <a:p>
             <a:fld id="{954139E4-0E33-4639-9ABB-A4418B8BEEC0}" type="datetime1">
               <a:rPr lang="de-CH" smtClean="0"/>
-              <a:t>17.12.2014</a:t>
+              <a:pPr/>
+              <a:t>18.12.2014</a:t>
             </a:fld>
             <a:endParaRPr lang="de-CH"/>
           </a:p>
@@ -1867,6 +1877,7 @@
           <a:p>
             <a:fld id="{A812E00C-4874-474D-8BAC-43B64AB4C925}" type="slidenum">
               <a:rPr lang="de-CH" smtClean="0"/>
+              <a:pPr/>
               <a:t>‹Nr.›</a:t>
             </a:fld>
             <a:endParaRPr lang="de-CH"/>
@@ -2367,7 +2378,8 @@
           <a:p>
             <a:fld id="{B85BFB8C-5117-42D4-9506-CCD39DD2CFA9}" type="datetime1">
               <a:rPr lang="de-CH" smtClean="0"/>
-              <a:t>17.12.2014</a:t>
+              <a:pPr/>
+              <a:t>18.12.2014</a:t>
             </a:fld>
             <a:endParaRPr lang="de-CH"/>
           </a:p>
@@ -2539,6 +2551,7 @@
           <a:p>
             <a:fld id="{A812E00C-4874-474D-8BAC-43B64AB4C925}" type="slidenum">
               <a:rPr lang="de-CH" smtClean="0"/>
+              <a:pPr/>
               <a:t>‹Nr.›</a:t>
             </a:fld>
             <a:endParaRPr lang="de-CH"/>
@@ -2662,7 +2675,8 @@
           <a:p>
             <a:fld id="{FE839876-469D-4B71-8E38-46BC22F3E998}" type="datetime1">
               <a:rPr lang="de-CH" smtClean="0"/>
-              <a:t>17.12.2014</a:t>
+              <a:pPr/>
+              <a:t>18.12.2014</a:t>
             </a:fld>
             <a:endParaRPr lang="de-CH"/>
           </a:p>
@@ -2708,6 +2722,7 @@
           <a:p>
             <a:fld id="{A812E00C-4874-474D-8BAC-43B64AB4C925}" type="slidenum">
               <a:rPr lang="de-CH" smtClean="0"/>
+              <a:pPr/>
               <a:t>‹Nr.›</a:t>
             </a:fld>
             <a:endParaRPr lang="de-CH"/>
@@ -3325,7 +3340,8 @@
           <a:p>
             <a:fld id="{98618E6A-7C92-4CB4-AE4B-5606D16F2227}" type="datetime1">
               <a:rPr lang="de-CH" smtClean="0"/>
-              <a:t>17.12.2014</a:t>
+              <a:pPr/>
+              <a:t>18.12.2014</a:t>
             </a:fld>
             <a:endParaRPr lang="de-CH"/>
           </a:p>
@@ -3671,6 +3687,7 @@
           <a:p>
             <a:fld id="{A812E00C-4874-474D-8BAC-43B64AB4C925}" type="slidenum">
               <a:rPr lang="de-CH" smtClean="0"/>
+              <a:pPr/>
               <a:t>‹Nr.›</a:t>
             </a:fld>
             <a:endParaRPr lang="de-CH"/>
@@ -3765,7 +3782,8 @@
           <a:p>
             <a:fld id="{5A509FFB-BCBC-4AD3-93F0-E8A288528369}" type="datetime1">
               <a:rPr lang="de-CH" smtClean="0"/>
-              <a:t>17.12.2014</a:t>
+              <a:pPr/>
+              <a:t>18.12.2014</a:t>
             </a:fld>
             <a:endParaRPr lang="de-CH"/>
           </a:p>
@@ -3816,6 +3834,7 @@
           <a:p>
             <a:fld id="{A812E00C-4874-474D-8BAC-43B64AB4C925}" type="slidenum">
               <a:rPr lang="de-CH" smtClean="0"/>
+              <a:pPr/>
               <a:t>‹Nr.›</a:t>
             </a:fld>
             <a:endParaRPr lang="de-CH"/>
@@ -4082,7 +4101,8 @@
           <a:p>
             <a:fld id="{CAB625F7-F1E8-4248-8CEC-B479BA3A5598}" type="datetime1">
               <a:rPr lang="de-CH" smtClean="0"/>
-              <a:t>17.12.2014</a:t>
+              <a:pPr/>
+              <a:t>18.12.2014</a:t>
             </a:fld>
             <a:endParaRPr lang="de-CH"/>
           </a:p>
@@ -4141,6 +4161,7 @@
           <a:p>
             <a:fld id="{A812E00C-4874-474D-8BAC-43B64AB4C925}" type="slidenum">
               <a:rPr lang="de-CH" smtClean="0"/>
+              <a:pPr/>
               <a:t>‹Nr.›</a:t>
             </a:fld>
             <a:endParaRPr lang="de-CH"/>
@@ -4759,6 +4780,7 @@
           <a:p>
             <a:fld id="{A812E00C-4874-474D-8BAC-43B64AB4C925}" type="slidenum">
               <a:rPr lang="de-CH" smtClean="0"/>
+              <a:pPr/>
               <a:t>‹Nr.›</a:t>
             </a:fld>
             <a:endParaRPr lang="de-CH"/>
@@ -4818,7 +4840,8 @@
           <a:p>
             <a:fld id="{429E927A-D59E-471B-A775-CE27F93FDE5E}" type="datetime1">
               <a:rPr lang="de-CH" smtClean="0"/>
-              <a:t>17.12.2014</a:t>
+              <a:pPr/>
+              <a:t>18.12.2014</a:t>
             </a:fld>
             <a:endParaRPr lang="de-CH"/>
           </a:p>
@@ -5297,6 +5320,7 @@
           <a:p>
             <a:fld id="{A812E00C-4874-474D-8BAC-43B64AB4C925}" type="slidenum">
               <a:rPr lang="de-CH" smtClean="0"/>
+              <a:pPr/>
               <a:t>‹Nr.›</a:t>
             </a:fld>
             <a:endParaRPr lang="de-CH"/>
@@ -5486,7 +5510,8 @@
           <a:p>
             <a:fld id="{FDC3273A-299F-45DA-9C53-C90431A229AC}" type="datetime1">
               <a:rPr lang="de-CH" smtClean="0"/>
-              <a:t>17.12.2014</a:t>
+              <a:pPr/>
+              <a:t>18.12.2014</a:t>
             </a:fld>
             <a:endParaRPr lang="de-CH"/>
           </a:p>
@@ -5763,7 +5788,8 @@
           <a:p>
             <a:fld id="{6F017405-9D01-420A-A4CF-7B48241BA77C}" type="datetime1">
               <a:rPr lang="de-CH" smtClean="0"/>
-              <a:t>17.12.2014</a:t>
+              <a:pPr/>
+              <a:t>18.12.2014</a:t>
             </a:fld>
             <a:endParaRPr lang="de-CH"/>
           </a:p>
@@ -6017,6 +6043,7 @@
           <a:p>
             <a:fld id="{A812E00C-4874-474D-8BAC-43B64AB4C925}" type="slidenum">
               <a:rPr lang="de-CH" smtClean="0"/>
+              <a:pPr/>
               <a:t>‹Nr.›</a:t>
             </a:fld>
             <a:endParaRPr lang="de-CH"/>
@@ -6538,6 +6565,210 @@
           <a:bodyPr/>
           <a:lstStyle/>
           <a:p>
+            <a:r>
+              <a:rPr lang="de-CH" dirty="0" smtClean="0"/>
+              <a:t>Fazit</a:t>
+            </a:r>
+            <a:endParaRPr lang="de-CH" dirty="0"/>
+          </a:p>
+        </p:txBody>
+      </p:sp>
+      <p:sp>
+        <p:nvSpPr>
+          <p:cNvPr id="3" name="Inhaltsplatzhalter 2"/>
+          <p:cNvSpPr>
+            <a:spLocks noGrp="1"/>
+          </p:cNvSpPr>
+          <p:nvPr>
+            <p:ph sz="quarter" idx="1"/>
+          </p:nvPr>
+        </p:nvSpPr>
+        <p:spPr/>
+        <p:txBody>
+          <a:bodyPr/>
+          <a:lstStyle/>
+          <a:p>
+            <a:r>
+              <a:rPr lang="de-CH" dirty="0" err="1" smtClean="0"/>
+              <a:t>Yii</a:t>
+            </a:r>
+            <a:r>
+              <a:rPr lang="de-CH" dirty="0" smtClean="0"/>
+              <a:t> wiederverwenden?</a:t>
+            </a:r>
+          </a:p>
+          <a:p>
+            <a:pPr lvl="1"/>
+            <a:r>
+              <a:rPr lang="de-CH" dirty="0" smtClean="0"/>
+              <a:t>Verkürzt die Entwicklungszeit (Generator)</a:t>
+            </a:r>
+          </a:p>
+          <a:p>
+            <a:pPr lvl="1"/>
+            <a:r>
+              <a:rPr lang="de-CH" dirty="0" smtClean="0"/>
+              <a:t>Testen von Funktionalitäten ist einfach (</a:t>
+            </a:r>
+            <a:r>
+              <a:rPr lang="de-CH" dirty="0" err="1" smtClean="0"/>
+              <a:t>unit</a:t>
+            </a:r>
+            <a:r>
+              <a:rPr lang="de-CH" dirty="0" smtClean="0"/>
+              <a:t>, </a:t>
+            </a:r>
+            <a:r>
+              <a:rPr lang="de-CH" dirty="0" err="1" smtClean="0"/>
+              <a:t>functional</a:t>
+            </a:r>
+            <a:r>
+              <a:rPr lang="de-CH" dirty="0" smtClean="0"/>
+              <a:t>, </a:t>
+            </a:r>
+            <a:r>
+              <a:rPr lang="de-CH" dirty="0" err="1" smtClean="0"/>
+              <a:t>acceptance</a:t>
+            </a:r>
+            <a:r>
+              <a:rPr lang="de-CH" dirty="0" smtClean="0"/>
+              <a:t>)</a:t>
+            </a:r>
+          </a:p>
+          <a:p>
+            <a:pPr lvl="1"/>
+            <a:r>
+              <a:rPr lang="de-CH" dirty="0" smtClean="0"/>
+              <a:t>Erweiterbar</a:t>
+            </a:r>
+          </a:p>
+          <a:p>
+            <a:pPr lvl="1"/>
+            <a:r>
+              <a:rPr lang="de-CH" dirty="0" smtClean="0"/>
+              <a:t>Verwendet moderne Webtechnologien (Composer)</a:t>
+            </a:r>
+          </a:p>
+        </p:txBody>
+      </p:sp>
+      <p:sp>
+        <p:nvSpPr>
+          <p:cNvPr id="4" name="Datumsplatzhalter 3"/>
+          <p:cNvSpPr>
+            <a:spLocks noGrp="1"/>
+          </p:cNvSpPr>
+          <p:nvPr>
+            <p:ph type="dt" sz="half" idx="10"/>
+          </p:nvPr>
+        </p:nvSpPr>
+        <p:spPr/>
+        <p:txBody>
+          <a:bodyPr/>
+          <a:lstStyle/>
+          <a:p>
+            <a:fld id="{65686959-EC33-4448-9B9C-B1E672272F39}" type="datetime1">
+              <a:rPr lang="de-CH" smtClean="0"/>
+              <a:pPr/>
+              <a:t>18.12.2014</a:t>
+            </a:fld>
+            <a:endParaRPr lang="de-CH"/>
+          </a:p>
+        </p:txBody>
+      </p:sp>
+      <p:sp>
+        <p:nvSpPr>
+          <p:cNvPr id="5" name="Foliennummernplatzhalter 4"/>
+          <p:cNvSpPr>
+            <a:spLocks noGrp="1"/>
+          </p:cNvSpPr>
+          <p:nvPr>
+            <p:ph type="sldNum" sz="quarter" idx="12"/>
+          </p:nvPr>
+        </p:nvSpPr>
+        <p:spPr/>
+        <p:txBody>
+          <a:bodyPr/>
+          <a:lstStyle/>
+          <a:p>
+            <a:fld id="{A812E00C-4874-474D-8BAC-43B64AB4C925}" type="slidenum">
+              <a:rPr lang="de-CH" smtClean="0"/>
+              <a:pPr/>
+              <a:t>10</a:t>
+            </a:fld>
+            <a:endParaRPr lang="de-CH"/>
+          </a:p>
+        </p:txBody>
+      </p:sp>
+      <p:sp>
+        <p:nvSpPr>
+          <p:cNvPr id="6" name="Fußzeilenplatzhalter 5"/>
+          <p:cNvSpPr>
+            <a:spLocks noGrp="1"/>
+          </p:cNvSpPr>
+          <p:nvPr>
+            <p:ph type="ftr" sz="quarter" idx="11"/>
+          </p:nvPr>
+        </p:nvSpPr>
+        <p:spPr/>
+        <p:txBody>
+          <a:bodyPr/>
+          <a:lstStyle/>
+          <a:p>
+            <a:r>
+              <a:rPr lang="de-CH" smtClean="0"/>
+              <a:t>Dominique Helfer &amp; Patrick Schläpfer</a:t>
+            </a:r>
+            <a:endParaRPr lang="de-CH"/>
+          </a:p>
+        </p:txBody>
+      </p:sp>
+    </p:spTree>
+  </p:cSld>
+  <p:clrMapOvr>
+    <a:masterClrMapping/>
+  </p:clrMapOvr>
+  <p:timing>
+    <p:tnLst>
+      <p:par>
+        <p:cTn id="1" dur="indefinite" restart="never" nodeType="tmRoot"/>
+      </p:par>
+    </p:tnLst>
+  </p:timing>
+</p:sld>
+</file>
+
+<file path=ppt/slides/slide11.xml><?xml version="1.0" encoding="utf-8"?>
+<p:sld xmlns:a="http://schemas.openxmlformats.org/drawingml/2006/main" xmlns:r="http://schemas.openxmlformats.org/officeDocument/2006/relationships" xmlns:p="http://schemas.openxmlformats.org/presentationml/2006/main">
+  <p:cSld>
+    <p:spTree>
+      <p:nvGrpSpPr>
+        <p:cNvPr id="1" name=""/>
+        <p:cNvGrpSpPr/>
+        <p:nvPr/>
+      </p:nvGrpSpPr>
+      <p:grpSpPr>
+        <a:xfrm>
+          <a:off x="0" y="0"/>
+          <a:ext cx="0" cy="0"/>
+          <a:chOff x="0" y="0"/>
+          <a:chExt cx="0" cy="0"/>
+        </a:xfrm>
+      </p:grpSpPr>
+      <p:sp>
+        <p:nvSpPr>
+          <p:cNvPr id="2" name="Titel 1"/>
+          <p:cNvSpPr>
+            <a:spLocks noGrp="1"/>
+          </p:cNvSpPr>
+          <p:nvPr>
+            <p:ph type="title"/>
+          </p:nvPr>
+        </p:nvSpPr>
+        <p:spPr/>
+        <p:txBody>
+          <a:bodyPr/>
+          <a:lstStyle/>
+          <a:p>
             <a:endParaRPr lang="de-CH" dirty="0"/>
           </a:p>
         </p:txBody>
@@ -6585,7 +6816,8 @@
           <a:p>
             <a:fld id="{FC0E4D93-289C-4E32-956D-0FAE39E7A2D3}" type="datetime1">
               <a:rPr lang="de-CH" smtClean="0"/>
-              <a:t>17.12.2014</a:t>
+              <a:pPr/>
+              <a:t>18.12.2014</a:t>
             </a:fld>
             <a:endParaRPr lang="de-CH"/>
           </a:p>
@@ -6608,7 +6840,8 @@
           <a:p>
             <a:fld id="{A812E00C-4874-474D-8BAC-43B64AB4C925}" type="slidenum">
               <a:rPr lang="de-CH" smtClean="0"/>
-              <a:t>10</a:t>
+              <a:pPr/>
+              <a:t>11</a:t>
             </a:fld>
             <a:endParaRPr lang="de-CH"/>
           </a:p>
@@ -6705,7 +6938,7 @@
         <p:spPr/>
         <p:txBody>
           <a:bodyPr>
-            <a:normAutofit lnSpcReduction="10000"/>
+            <a:normAutofit fontScale="92500" lnSpcReduction="10000"/>
           </a:bodyPr>
           <a:lstStyle/>
           <a:p>
@@ -6739,13 +6972,25 @@
             </a:r>
             <a:r>
               <a:rPr lang="de-CH" dirty="0" smtClean="0"/>
-              <a:t> – Framework</a:t>
-            </a:r>
+              <a:t> – </a:t>
+            </a:r>
+            <a:r>
+              <a:rPr lang="de-CH" dirty="0" smtClean="0"/>
+              <a:t>Framework</a:t>
+            </a:r>
+          </a:p>
+          <a:p>
+            <a:pPr lvl="1"/>
+            <a:r>
+              <a:rPr lang="de-CH" dirty="0" smtClean="0"/>
+              <a:t>Vor - Nachteile</a:t>
+            </a:r>
+            <a:endParaRPr lang="de-CH" dirty="0" smtClean="0"/>
           </a:p>
           <a:p>
             <a:r>
               <a:rPr lang="de-CH" dirty="0" err="1" smtClean="0"/>
-              <a:t>Versionierung</a:t>
+              <a:t>Collaboration</a:t>
             </a:r>
             <a:endParaRPr lang="de-CH" dirty="0" smtClean="0"/>
           </a:p>
@@ -6808,7 +7053,8 @@
           <a:p>
             <a:fld id="{35A0B57A-9B79-4208-A3BA-4043E65F3B1B}" type="datetime1">
               <a:rPr lang="de-CH" smtClean="0"/>
-              <a:t>17.12.2014</a:t>
+              <a:pPr/>
+              <a:t>18.12.2014</a:t>
             </a:fld>
             <a:endParaRPr lang="de-CH"/>
           </a:p>
@@ -6831,6 +7077,7 @@
           <a:p>
             <a:fld id="{A812E00C-4874-474D-8BAC-43B64AB4C925}" type="slidenum">
               <a:rPr lang="de-CH" smtClean="0"/>
+              <a:pPr/>
               <a:t>2</a:t>
             </a:fld>
             <a:endParaRPr lang="de-CH"/>
@@ -6934,37 +7181,19 @@
           <a:p>
             <a:r>
               <a:rPr lang="de-CH" dirty="0" smtClean="0"/>
-              <a:t>Vor und Nachteile eines PHP Frameworks aufzeigen</a:t>
-            </a:r>
-            <a:endParaRPr lang="de-CH" dirty="0" smtClean="0"/>
-          </a:p>
-          <a:p>
-            <a:pPr lvl="1"/>
+              <a:t>Vor und Nachteile </a:t>
+            </a:r>
             <a:r>
               <a:rPr lang="de-CH" dirty="0" smtClean="0"/>
-              <a:t>Vorteile</a:t>
-            </a:r>
-          </a:p>
-          <a:p>
-            <a:pPr lvl="2"/>
+              <a:t>des </a:t>
+            </a:r>
+            <a:r>
+              <a:rPr lang="de-CH" dirty="0" err="1" smtClean="0"/>
+              <a:t>Yii</a:t>
+            </a:r>
             <a:r>
               <a:rPr lang="de-CH" dirty="0" smtClean="0"/>
-              <a:t>Einfacher und sehr strukturierter Aufbau</a:t>
-            </a:r>
-            <a:endParaRPr lang="de-CH" dirty="0" smtClean="0"/>
-          </a:p>
-          <a:p>
-            <a:pPr lvl="1"/>
-            <a:r>
-              <a:rPr lang="de-CH" dirty="0" smtClean="0"/>
-              <a:t>Nachteile</a:t>
-            </a:r>
-          </a:p>
-          <a:p>
-            <a:pPr lvl="2"/>
-            <a:r>
-              <a:rPr lang="de-CH" dirty="0" smtClean="0"/>
-              <a:t>Performance ist bei sehr grossen Zugriff nicht so effizient. </a:t>
+              <a:t> Frameworks aufzeigen</a:t>
             </a:r>
             <a:endParaRPr lang="de-CH" dirty="0" smtClean="0"/>
           </a:p>
@@ -7014,7 +7243,8 @@
           <a:p>
             <a:fld id="{92F595A9-6ADB-45BD-B097-8EB4B3ACDD64}" type="datetime1">
               <a:rPr lang="de-CH" smtClean="0"/>
-              <a:t>17.12.2014</a:t>
+              <a:pPr/>
+              <a:t>18.12.2014</a:t>
             </a:fld>
             <a:endParaRPr lang="de-CH"/>
           </a:p>
@@ -7037,6 +7267,7 @@
           <a:p>
             <a:fld id="{A812E00C-4874-474D-8BAC-43B64AB4C925}" type="slidenum">
               <a:rPr lang="de-CH" smtClean="0"/>
+              <a:pPr/>
               <a:t>3</a:t>
             </a:fld>
             <a:endParaRPr lang="de-CH"/>
@@ -7197,7 +7428,8 @@
           <a:p>
             <a:fld id="{0571F2CC-882E-4E01-BEBE-F10E9D06BBA8}" type="datetime1">
               <a:rPr lang="de-CH" smtClean="0"/>
-              <a:t>17.12.2014</a:t>
+              <a:pPr/>
+              <a:t>18.12.2014</a:t>
             </a:fld>
             <a:endParaRPr lang="de-CH"/>
           </a:p>
@@ -7220,6 +7452,7 @@
           <a:p>
             <a:fld id="{A812E00C-4874-474D-8BAC-43B64AB4C925}" type="slidenum">
               <a:rPr lang="de-CH" smtClean="0"/>
+              <a:pPr/>
               <a:t>4</a:t>
             </a:fld>
             <a:endParaRPr lang="de-CH"/>
@@ -7347,7 +7580,7 @@
           <a:blip r:embed="rId2" cstate="print">
             <a:extLst>
               <a:ext uri="{28A0092B-C50C-407E-A947-70E740481C1C}">
-                <a14:useLocalDpi xmlns:ve="http://schemas.openxmlformats.org/markup-compatibility/2006" xmlns:m="http://schemas.openxmlformats.org/officeDocument/2006/math" xmlns:wp="http://schemas.openxmlformats.org/drawingml/2006/wordprocessingDrawing" xmlns:wne="http://schemas.microsoft.com/office/word/2006/wordml" xmlns:a14="http://schemas.microsoft.com/office/drawing/2010/main" xmlns:wps="http://schemas.microsoft.com/office/word/2010/wordprocessingShape" xmlns:wpi="http://schemas.microsoft.com/office/word/2010/wordprocessingInk" xmlns:wpg="http://schemas.microsoft.com/office/word/2010/wordprocessingGroup" xmlns:w15="http://schemas.microsoft.com/office/word/2012/wordml" xmlns:w14="http://schemas.microsoft.com/office/word/2010/wordml" xmlns:w="http://schemas.openxmlformats.org/wordprocessingml/2006/main" xmlns:w10="urn:schemas-microsoft-com:office:word" xmlns:wp14="http://schemas.microsoft.com/office/word/2010/wordprocessingDrawing" xmlns:v="urn:schemas-microsoft-com:vml" xmlns:o="urn:schemas-microsoft-com:office:office" xmlns:mc="http://schemas.openxmlformats.org/markup-compatibility/2006" xmlns:wpc="http://schemas.microsoft.com/office/word/2010/wordprocessingCanvas" xmlns="" xmlns:pic="http://schemas.openxmlformats.org/drawingml/2006/picture" xmlns:lc="http://schemas.openxmlformats.org/drawingml/2006/lockedCanvas" val="0"/>
+                <a14:useLocalDpi xmlns:lc="http://schemas.openxmlformats.org/drawingml/2006/lockedCanvas" xmlns:pic="http://schemas.openxmlformats.org/drawingml/2006/picture" xmlns="" xmlns:wpc="http://schemas.microsoft.com/office/word/2010/wordprocessingCanvas" xmlns:mc="http://schemas.openxmlformats.org/markup-compatibility/2006" xmlns:o="urn:schemas-microsoft-com:office:office" xmlns:v="urn:schemas-microsoft-com:vml" xmlns:wp14="http://schemas.microsoft.com/office/word/2010/wordprocessingDrawing" xmlns:w10="urn:schemas-microsoft-com:office:word" xmlns:w="http://schemas.openxmlformats.org/wordprocessingml/2006/main" xmlns:w14="http://schemas.microsoft.com/office/word/2010/wordml" xmlns:w15="http://schemas.microsoft.com/office/word/2012/wordml" xmlns:wpg="http://schemas.microsoft.com/office/word/2010/wordprocessingGroup" xmlns:wpi="http://schemas.microsoft.com/office/word/2010/wordprocessingInk" xmlns:wps="http://schemas.microsoft.com/office/word/2010/wordprocessingShape" xmlns:a14="http://schemas.microsoft.com/office/drawing/2010/main" xmlns:wne="http://schemas.microsoft.com/office/word/2006/wordml" xmlns:wp="http://schemas.openxmlformats.org/drawingml/2006/wordprocessingDrawing" xmlns:m="http://schemas.openxmlformats.org/officeDocument/2006/math" xmlns:ve="http://schemas.openxmlformats.org/markup-compatibility/2006" val="0"/>
               </a:ext>
             </a:extLst>
           </a:blip>
@@ -7386,7 +7619,7 @@
           <a:blip r:embed="rId3" cstate="print">
             <a:extLst>
               <a:ext uri="{28A0092B-C50C-407E-A947-70E740481C1C}">
-                <a14:useLocalDpi xmlns:ve="http://schemas.openxmlformats.org/markup-compatibility/2006" xmlns:m="http://schemas.openxmlformats.org/officeDocument/2006/math" xmlns:wp="http://schemas.openxmlformats.org/drawingml/2006/wordprocessingDrawing" xmlns:wne="http://schemas.microsoft.com/office/word/2006/wordml" xmlns:a14="http://schemas.microsoft.com/office/drawing/2010/main" xmlns:wps="http://schemas.microsoft.com/office/word/2010/wordprocessingShape" xmlns:wpi="http://schemas.microsoft.com/office/word/2010/wordprocessingInk" xmlns:wpg="http://schemas.microsoft.com/office/word/2010/wordprocessingGroup" xmlns:w15="http://schemas.microsoft.com/office/word/2012/wordml" xmlns:w14="http://schemas.microsoft.com/office/word/2010/wordml" xmlns:w="http://schemas.openxmlformats.org/wordprocessingml/2006/main" xmlns:w10="urn:schemas-microsoft-com:office:word" xmlns:wp14="http://schemas.microsoft.com/office/word/2010/wordprocessingDrawing" xmlns:v="urn:schemas-microsoft-com:vml" xmlns:o="urn:schemas-microsoft-com:office:office" xmlns:mc="http://schemas.openxmlformats.org/markup-compatibility/2006" xmlns:wpc="http://schemas.microsoft.com/office/word/2010/wordprocessingCanvas" xmlns="" xmlns:pic="http://schemas.openxmlformats.org/drawingml/2006/picture" xmlns:lc="http://schemas.openxmlformats.org/drawingml/2006/lockedCanvas" val="0"/>
+                <a14:useLocalDpi xmlns:lc="http://schemas.openxmlformats.org/drawingml/2006/lockedCanvas" xmlns:pic="http://schemas.openxmlformats.org/drawingml/2006/picture" xmlns="" xmlns:wpc="http://schemas.microsoft.com/office/word/2010/wordprocessingCanvas" xmlns:mc="http://schemas.openxmlformats.org/markup-compatibility/2006" xmlns:o="urn:schemas-microsoft-com:office:office" xmlns:v="urn:schemas-microsoft-com:vml" xmlns:wp14="http://schemas.microsoft.com/office/word/2010/wordprocessingDrawing" xmlns:w10="urn:schemas-microsoft-com:office:word" xmlns:w="http://schemas.openxmlformats.org/wordprocessingml/2006/main" xmlns:w14="http://schemas.microsoft.com/office/word/2010/wordml" xmlns:w15="http://schemas.microsoft.com/office/word/2012/wordml" xmlns:wpg="http://schemas.microsoft.com/office/word/2010/wordprocessingGroup" xmlns:wpi="http://schemas.microsoft.com/office/word/2010/wordprocessingInk" xmlns:wps="http://schemas.microsoft.com/office/word/2010/wordprocessingShape" xmlns:a14="http://schemas.microsoft.com/office/drawing/2010/main" xmlns:wne="http://schemas.microsoft.com/office/word/2006/wordml" xmlns:wp="http://schemas.openxmlformats.org/drawingml/2006/wordprocessingDrawing" xmlns:m="http://schemas.openxmlformats.org/officeDocument/2006/math" xmlns:ve="http://schemas.openxmlformats.org/markup-compatibility/2006" val="0"/>
               </a:ext>
             </a:extLst>
           </a:blip>
@@ -7432,7 +7665,8 @@
           <a:p>
             <a:fld id="{66207E3A-A175-41D9-A4E9-2193E10F26B6}" type="datetime1">
               <a:rPr lang="de-CH" smtClean="0"/>
-              <a:t>17.12.2014</a:t>
+              <a:pPr/>
+              <a:t>18.12.2014</a:t>
             </a:fld>
             <a:endParaRPr lang="de-CH"/>
           </a:p>
@@ -7455,6 +7689,7 @@
           <a:p>
             <a:fld id="{A812E00C-4874-474D-8BAC-43B64AB4C925}" type="slidenum">
               <a:rPr lang="de-CH" smtClean="0"/>
+              <a:pPr/>
               <a:t>5</a:t>
             </a:fld>
             <a:endParaRPr lang="de-CH"/>
@@ -7532,8 +7767,12 @@
           <a:lstStyle/>
           <a:p>
             <a:r>
+              <a:rPr lang="de-CH" dirty="0" smtClean="0"/>
+              <a:t>Vor – Nachteile </a:t>
+            </a:r>
+            <a:r>
               <a:rPr lang="de-CH" dirty="0" err="1" smtClean="0"/>
-              <a:t>Versionierung</a:t>
+              <a:t>Yii</a:t>
             </a:r>
             <a:endParaRPr lang="de-CH" dirty="0"/>
           </a:p>
@@ -7541,12 +7780,12 @@
       </p:sp>
       <p:sp>
         <p:nvSpPr>
-          <p:cNvPr id="3" name="Inhaltsplatzhalter 2"/>
-          <p:cNvSpPr>
-            <a:spLocks noGrp="1"/>
-          </p:cNvSpPr>
-          <p:nvPr>
-            <p:ph sz="quarter" idx="1"/>
+          <p:cNvPr id="3" name="Datumsplatzhalter 2"/>
+          <p:cNvSpPr>
+            <a:spLocks noGrp="1"/>
+          </p:cNvSpPr>
+          <p:nvPr>
+            <p:ph type="dt" sz="half" idx="10"/>
           </p:nvPr>
         </p:nvSpPr>
         <p:spPr/>
@@ -7554,144 +7793,10 @@
           <a:bodyPr/>
           <a:lstStyle/>
           <a:p>
-            <a:r>
-              <a:rPr lang="de-CH" dirty="0" err="1" smtClean="0"/>
-              <a:t>Git</a:t>
-            </a:r>
-            <a:endParaRPr lang="de-CH" dirty="0" smtClean="0"/>
-          </a:p>
-          <a:p>
-            <a:pPr lvl="1"/>
-            <a:r>
-              <a:rPr lang="de-CH" dirty="0" smtClean="0"/>
-              <a:t>Neues Repository auf </a:t>
-            </a:r>
-            <a:r>
-              <a:rPr lang="de-CH" dirty="0" err="1" smtClean="0"/>
-              <a:t>Github</a:t>
-            </a:r>
-            <a:endParaRPr lang="de-CH" dirty="0" smtClean="0"/>
-          </a:p>
-          <a:p>
-            <a:pPr lvl="1"/>
-            <a:r>
-              <a:rPr lang="de-CH" dirty="0" smtClean="0"/>
-              <a:t>Saubere </a:t>
-            </a:r>
-            <a:r>
-              <a:rPr lang="de-CH" dirty="0" err="1" smtClean="0"/>
-              <a:t>Versionierung</a:t>
-            </a:r>
-            <a:r>
-              <a:rPr lang="de-CH" dirty="0" smtClean="0"/>
-              <a:t> bei mehreren Benutzern</a:t>
-            </a:r>
-          </a:p>
-          <a:p>
-            <a:r>
-              <a:rPr lang="de-CH" dirty="0" smtClean="0"/>
-              <a:t>Migration</a:t>
-            </a:r>
-            <a:endParaRPr lang="de-CH" dirty="0" smtClean="0"/>
-          </a:p>
-          <a:p>
-            <a:pPr lvl="1"/>
-            <a:r>
-              <a:rPr lang="de-CH" dirty="0" smtClean="0"/>
-              <a:t>Kein </a:t>
-            </a:r>
-            <a:r>
-              <a:rPr lang="de-CH" dirty="0" err="1" smtClean="0"/>
-              <a:t>Dump</a:t>
-            </a:r>
-            <a:r>
-              <a:rPr lang="de-CH" dirty="0" smtClean="0"/>
-              <a:t> </a:t>
-            </a:r>
-            <a:r>
-              <a:rPr lang="de-CH" dirty="0" err="1" smtClean="0"/>
-              <a:t>and</a:t>
-            </a:r>
-            <a:r>
-              <a:rPr lang="de-CH" dirty="0" smtClean="0"/>
-              <a:t> </a:t>
-            </a:r>
-            <a:r>
-              <a:rPr lang="de-CH" dirty="0" err="1" smtClean="0"/>
-              <a:t>Reload</a:t>
-            </a:r>
-            <a:r>
-              <a:rPr lang="de-CH" dirty="0" smtClean="0"/>
-              <a:t> nötig</a:t>
-            </a:r>
-            <a:endParaRPr lang="de-CH" dirty="0" smtClean="0"/>
-          </a:p>
-          <a:p>
-            <a:pPr lvl="1"/>
-            <a:r>
-              <a:rPr lang="de-CH" dirty="0" smtClean="0"/>
-              <a:t>Nur Änderungen zur letzten </a:t>
-            </a:r>
-            <a:r>
-              <a:rPr lang="de-CH" dirty="0" smtClean="0"/>
-              <a:t>Version</a:t>
-            </a:r>
-          </a:p>
-          <a:p>
-            <a:r>
-              <a:rPr lang="de-CH" dirty="0" smtClean="0"/>
-              <a:t>Composer</a:t>
-            </a:r>
-          </a:p>
-          <a:p>
-            <a:pPr lvl="1"/>
-            <a:r>
-              <a:rPr lang="de-CH" dirty="0" err="1" smtClean="0"/>
-              <a:t>Package</a:t>
-            </a:r>
-            <a:r>
-              <a:rPr lang="de-CH" dirty="0" smtClean="0"/>
-              <a:t> / Extension Installation</a:t>
-            </a:r>
-          </a:p>
-          <a:p>
-            <a:pPr lvl="1"/>
-            <a:r>
-              <a:rPr lang="de-CH" dirty="0" err="1" smtClean="0"/>
-              <a:t>Webcrawler</a:t>
-            </a:r>
-            <a:r>
-              <a:rPr lang="de-CH" dirty="0" smtClean="0"/>
-              <a:t> ist als Extension implementiert</a:t>
-            </a:r>
-            <a:endParaRPr lang="de-CH" dirty="0" smtClean="0"/>
-          </a:p>
-          <a:p>
-            <a:endParaRPr lang="de-CH" dirty="0" smtClean="0"/>
-          </a:p>
-          <a:p>
-            <a:endParaRPr lang="de-CH" dirty="0"/>
-          </a:p>
-        </p:txBody>
-      </p:sp>
-      <p:sp>
-        <p:nvSpPr>
-          <p:cNvPr id="4" name="Datumsplatzhalter 3"/>
-          <p:cNvSpPr>
-            <a:spLocks noGrp="1"/>
-          </p:cNvSpPr>
-          <p:nvPr>
-            <p:ph type="dt" sz="half" idx="10"/>
-          </p:nvPr>
-        </p:nvSpPr>
-        <p:spPr/>
-        <p:txBody>
-          <a:bodyPr/>
-          <a:lstStyle/>
-          <a:p>
-            <a:fld id="{321D6812-1BD7-4866-9817-C5A5D5C54D87}" type="datetime1">
+            <a:fld id="{954139E4-0E33-4639-9ABB-A4418B8BEEC0}" type="datetime1">
               <a:rPr lang="de-CH" smtClean="0"/>
-              <a:t>17.12.2014</a:t>
+              <a:pPr/>
+              <a:t>18.12.2014</a:t>
             </a:fld>
             <a:endParaRPr lang="de-CH"/>
           </a:p>
@@ -7699,6 +7804,29 @@
       </p:sp>
       <p:sp>
         <p:nvSpPr>
+          <p:cNvPr id="4" name="Fußzeilenplatzhalter 3"/>
+          <p:cNvSpPr>
+            <a:spLocks noGrp="1"/>
+          </p:cNvSpPr>
+          <p:nvPr>
+            <p:ph type="ftr" sz="quarter" idx="11"/>
+          </p:nvPr>
+        </p:nvSpPr>
+        <p:spPr/>
+        <p:txBody>
+          <a:bodyPr/>
+          <a:lstStyle/>
+          <a:p>
+            <a:r>
+              <a:rPr lang="de-CH" smtClean="0"/>
+              <a:t>Dominique Helfer &amp; Patrick Schläpfer</a:t>
+            </a:r>
+            <a:endParaRPr lang="de-CH"/>
+          </a:p>
+        </p:txBody>
+      </p:sp>
+      <p:sp>
+        <p:nvSpPr>
           <p:cNvPr id="5" name="Foliennummernplatzhalter 4"/>
           <p:cNvSpPr>
             <a:spLocks noGrp="1"/>
@@ -7714,6 +7842,7 @@
           <a:p>
             <a:fld id="{A812E00C-4874-474D-8BAC-43B64AB4C925}" type="slidenum">
               <a:rPr lang="de-CH" smtClean="0"/>
+              <a:pPr/>
               <a:t>6</a:t>
             </a:fld>
             <a:endParaRPr lang="de-CH"/>
@@ -7722,24 +7851,75 @@
       </p:sp>
       <p:sp>
         <p:nvSpPr>
-          <p:cNvPr id="6" name="Fußzeilenplatzhalter 5"/>
-          <p:cNvSpPr>
-            <a:spLocks noGrp="1"/>
-          </p:cNvSpPr>
-          <p:nvPr>
-            <p:ph type="ftr" sz="quarter" idx="11"/>
-          </p:nvPr>
-        </p:nvSpPr>
-        <p:spPr/>
-        <p:txBody>
-          <a:bodyPr/>
-          <a:lstStyle/>
-          <a:p>
-            <a:r>
-              <a:rPr lang="de-CH" smtClean="0"/>
-              <a:t>Dominique Helfer &amp; Patrick Schläpfer</a:t>
-            </a:r>
-            <a:endParaRPr lang="de-CH"/>
+          <p:cNvPr id="7" name="Inhaltsplatzhalter 6"/>
+          <p:cNvSpPr>
+            <a:spLocks noGrp="1"/>
+          </p:cNvSpPr>
+          <p:nvPr>
+            <p:ph sz="quarter" idx="1"/>
+          </p:nvPr>
+        </p:nvSpPr>
+        <p:spPr>
+          <a:xfrm>
+            <a:off x="301752" y="1527048"/>
+            <a:ext cx="8503920" cy="2314480"/>
+          </a:xfrm>
+          <a:prstGeom prst="rect">
+            <a:avLst/>
+          </a:prstGeom>
+        </p:spPr>
+        <p:txBody>
+          <a:bodyPr wrap="square">
+            <a:spAutoFit/>
+          </a:bodyPr>
+          <a:lstStyle/>
+          <a:p>
+            <a:pPr lvl="1"/>
+            <a:r>
+              <a:rPr lang="de-CH" dirty="0" smtClean="0"/>
+              <a:t>Vorteile</a:t>
+            </a:r>
+          </a:p>
+          <a:p>
+            <a:pPr lvl="2"/>
+            <a:r>
+              <a:rPr lang="de-CH" dirty="0" smtClean="0"/>
+              <a:t>Einfacher und sehr strukturierter </a:t>
+            </a:r>
+            <a:r>
+              <a:rPr lang="de-CH" dirty="0" smtClean="0"/>
+              <a:t>Aufbau</a:t>
+            </a:r>
+          </a:p>
+          <a:p>
+            <a:pPr lvl="2"/>
+            <a:r>
+              <a:rPr lang="de-CH" dirty="0" smtClean="0"/>
+              <a:t>Dokumentation</a:t>
+            </a:r>
+          </a:p>
+          <a:p>
+            <a:pPr lvl="2"/>
+            <a:r>
+              <a:rPr lang="de-CH" dirty="0" smtClean="0"/>
+              <a:t>Viele bereits implementierte Funktionalitäten</a:t>
+            </a:r>
+            <a:endParaRPr lang="de-CH" dirty="0" smtClean="0"/>
+          </a:p>
+          <a:p>
+            <a:pPr lvl="1"/>
+            <a:r>
+              <a:rPr lang="de-CH" dirty="0" smtClean="0"/>
+              <a:t>Nachteile</a:t>
+            </a:r>
+          </a:p>
+          <a:p>
+            <a:pPr lvl="2"/>
+            <a:r>
+              <a:rPr lang="de-CH" dirty="0" smtClean="0"/>
+              <a:t>Performance ist bei sehr grossen Zugriff nicht so effizient. </a:t>
+            </a:r>
+            <a:endParaRPr lang="de-CH" dirty="0" smtClean="0"/>
           </a:p>
         </p:txBody>
       </p:sp>
@@ -7748,13 +7928,6 @@
   <p:clrMapOvr>
     <a:masterClrMapping/>
   </p:clrMapOvr>
-  <p:timing>
-    <p:tnLst>
-      <p:par>
-        <p:cTn id="1" dur="indefinite" restart="never" nodeType="tmRoot"/>
-      </p:par>
-    </p:tnLst>
-  </p:timing>
 </p:sld>
 </file>
 
@@ -7791,96 +7964,137 @@
           <a:lstStyle/>
           <a:p>
             <a:r>
+              <a:rPr lang="de-CH" dirty="0" err="1" smtClean="0"/>
+              <a:t>Collaboration</a:t>
+            </a:r>
+            <a:endParaRPr lang="de-CH" dirty="0"/>
+          </a:p>
+        </p:txBody>
+      </p:sp>
+      <p:sp>
+        <p:nvSpPr>
+          <p:cNvPr id="3" name="Inhaltsplatzhalter 2"/>
+          <p:cNvSpPr>
+            <a:spLocks noGrp="1"/>
+          </p:cNvSpPr>
+          <p:nvPr>
+            <p:ph sz="quarter" idx="1"/>
+          </p:nvPr>
+        </p:nvSpPr>
+        <p:spPr/>
+        <p:txBody>
+          <a:bodyPr/>
+          <a:lstStyle/>
+          <a:p>
+            <a:r>
+              <a:rPr lang="de-CH" dirty="0" err="1" smtClean="0"/>
+              <a:t>Git</a:t>
+            </a:r>
+            <a:endParaRPr lang="de-CH" dirty="0" smtClean="0"/>
+          </a:p>
+          <a:p>
+            <a:pPr lvl="1"/>
+            <a:r>
               <a:rPr lang="de-CH" dirty="0" smtClean="0"/>
-              <a:t>Funktionalitäten</a:t>
-            </a:r>
-            <a:endParaRPr lang="de-CH" dirty="0"/>
-          </a:p>
-        </p:txBody>
-      </p:sp>
-      <p:sp>
-        <p:nvSpPr>
-          <p:cNvPr id="3" name="Inhaltsplatzhalter 2"/>
-          <p:cNvSpPr>
-            <a:spLocks noGrp="1"/>
-          </p:cNvSpPr>
-          <p:nvPr>
-            <p:ph sz="quarter" idx="1"/>
-          </p:nvPr>
-        </p:nvSpPr>
-        <p:spPr/>
-        <p:txBody>
-          <a:bodyPr/>
-          <a:lstStyle/>
-          <a:p>
-            <a:pPr lvl="0"/>
+              <a:t>Neues Repository auf </a:t>
+            </a:r>
+            <a:r>
+              <a:rPr lang="de-CH" dirty="0" err="1" smtClean="0"/>
+              <a:t>Github</a:t>
+            </a:r>
+            <a:endParaRPr lang="de-CH" dirty="0" smtClean="0"/>
+          </a:p>
+          <a:p>
+            <a:pPr lvl="1"/>
             <a:r>
               <a:rPr lang="de-CH" dirty="0" smtClean="0"/>
-              <a:t>Benutzer registrieren</a:t>
-            </a:r>
-          </a:p>
-          <a:p>
-            <a:pPr lvl="0"/>
+              <a:t>Saubere </a:t>
+            </a:r>
+            <a:r>
+              <a:rPr lang="de-CH" dirty="0" err="1" smtClean="0"/>
+              <a:t>Versionierung</a:t>
+            </a:r>
             <a:r>
               <a:rPr lang="de-CH" dirty="0" smtClean="0"/>
-              <a:t>Benutzer </a:t>
-            </a:r>
+              <a:t> bei mehreren Benutzern</a:t>
+            </a:r>
+          </a:p>
+          <a:p>
             <a:r>
               <a:rPr lang="de-CH" dirty="0" smtClean="0"/>
-              <a:t>einloggen</a:t>
+              <a:t>Migration</a:t>
             </a:r>
           </a:p>
           <a:p>
             <a:pPr lvl="1"/>
             <a:r>
               <a:rPr lang="de-CH" dirty="0" smtClean="0"/>
-              <a:t>Benutzer hat das Passwort vergessen</a:t>
-            </a:r>
-            <a:endParaRPr lang="de-CH" dirty="0" smtClean="0"/>
-          </a:p>
-          <a:p>
-            <a:pPr lvl="0"/>
+              <a:t>Kein </a:t>
+            </a:r>
+            <a:r>
+              <a:rPr lang="de-CH" dirty="0" err="1" smtClean="0"/>
+              <a:t>Dump</a:t>
+            </a:r>
             <a:r>
               <a:rPr lang="de-CH" dirty="0" smtClean="0"/>
-              <a:t>Artikel pro Kategorie erstellen</a:t>
-            </a:r>
-          </a:p>
-          <a:p>
-            <a:pPr lvl="0"/>
+              <a:t> </a:t>
+            </a:r>
+            <a:r>
+              <a:rPr lang="de-CH" dirty="0" err="1" smtClean="0"/>
+              <a:t>and</a:t>
+            </a:r>
             <a:r>
               <a:rPr lang="de-CH" dirty="0" smtClean="0"/>
-              <a:t>Mobiles </a:t>
+              <a:t> </a:t>
+            </a:r>
+            <a:r>
+              <a:rPr lang="de-CH" dirty="0" err="1" smtClean="0"/>
+              <a:t>Reload</a:t>
             </a:r>
             <a:r>
               <a:rPr lang="de-CH" dirty="0" smtClean="0"/>
-              <a:t>Design</a:t>
+              <a:t> nötig</a:t>
             </a:r>
           </a:p>
           <a:p>
             <a:pPr lvl="1"/>
             <a:r>
               <a:rPr lang="de-CH" dirty="0" smtClean="0"/>
-              <a:t>Bootstrap</a:t>
-            </a:r>
-            <a:endParaRPr lang="de-CH" dirty="0" smtClean="0"/>
-          </a:p>
-          <a:p>
-            <a:pPr lvl="0"/>
+              <a:t>Nur Änderungen zur letzten Version</a:t>
+            </a:r>
+          </a:p>
+          <a:p>
+            <a:r>
+              <a:rPr lang="de-CH" dirty="0" smtClean="0"/>
+              <a:t>Composer</a:t>
+            </a:r>
+          </a:p>
+          <a:p>
+            <a:pPr lvl="1"/>
+            <a:r>
+              <a:rPr lang="de-CH" dirty="0" err="1" smtClean="0"/>
+              <a:t>Package</a:t>
+            </a:r>
+            <a:r>
+              <a:rPr lang="de-CH" dirty="0" smtClean="0"/>
+              <a:t> / Extension Installation</a:t>
+            </a:r>
+          </a:p>
+          <a:p>
+            <a:pPr lvl="1"/>
             <a:r>
               <a:rPr lang="de-CH" dirty="0" err="1" smtClean="0"/>
               <a:t>Webcrawler</a:t>
             </a:r>
+            <a:r>
+              <a:rPr lang="de-CH" dirty="0" smtClean="0"/>
+              <a:t> ist als Extension implementiert</a:t>
+            </a:r>
+          </a:p>
+          <a:p>
             <a:endParaRPr lang="de-CH" dirty="0" smtClean="0"/>
           </a:p>
           <a:p>
-            <a:pPr lvl="1"/>
-            <a:r>
-              <a:rPr lang="de-CH" dirty="0" smtClean="0"/>
-              <a:t>RSS Import</a:t>
-            </a:r>
-            <a:endParaRPr lang="de-CH" dirty="0" smtClean="0"/>
-          </a:p>
-          <a:p>
             <a:endParaRPr lang="de-CH" dirty="0"/>
           </a:p>
         </p:txBody>
@@ -7900,9 +8114,10 @@
           <a:bodyPr/>
           <a:lstStyle/>
           <a:p>
-            <a:fld id="{44E3E1D9-49DA-4151-84C2-5430240891AE}" type="datetime1">
+            <a:fld id="{321D6812-1BD7-4866-9817-C5A5D5C54D87}" type="datetime1">
               <a:rPr lang="de-CH" smtClean="0"/>
-              <a:t>17.12.2014</a:t>
+              <a:pPr/>
+              <a:t>18.12.2014</a:t>
             </a:fld>
             <a:endParaRPr lang="de-CH"/>
           </a:p>
@@ -7925,6 +8140,7 @@
           <a:p>
             <a:fld id="{A812E00C-4874-474D-8BAC-43B64AB4C925}" type="slidenum">
               <a:rPr lang="de-CH" smtClean="0"/>
+              <a:pPr/>
               <a:t>7</a:t>
             </a:fld>
             <a:endParaRPr lang="de-CH"/>
@@ -8003,7 +8219,7 @@
           <a:p>
             <a:r>
               <a:rPr lang="de-CH" dirty="0" smtClean="0"/>
-              <a:t>Demonstration</a:t>
+              <a:t>Funktionalitäten</a:t>
             </a:r>
             <a:endParaRPr lang="de-CH" dirty="0"/>
           </a:p>
@@ -8024,10 +8240,63 @@
           <a:bodyPr/>
           <a:lstStyle/>
           <a:p>
+            <a:pPr lvl="0"/>
             <a:r>
               <a:rPr lang="de-CH" dirty="0" smtClean="0"/>
-              <a:t>Direkt im Web</a:t>
-            </a:r>
+              <a:t>Benutzer registrieren</a:t>
+            </a:r>
+          </a:p>
+          <a:p>
+            <a:pPr lvl="0"/>
+            <a:r>
+              <a:rPr lang="de-CH" dirty="0" smtClean="0"/>
+              <a:t>Benutzer einloggen</a:t>
+            </a:r>
+          </a:p>
+          <a:p>
+            <a:pPr lvl="1"/>
+            <a:r>
+              <a:rPr lang="de-CH" dirty="0" smtClean="0"/>
+              <a:t>Benutzer hat das Passwort vergessen</a:t>
+            </a:r>
+          </a:p>
+          <a:p>
+            <a:pPr lvl="0"/>
+            <a:r>
+              <a:rPr lang="de-CH" dirty="0" smtClean="0"/>
+              <a:t>Artikel pro Kategorie erstellen</a:t>
+            </a:r>
+          </a:p>
+          <a:p>
+            <a:pPr lvl="0"/>
+            <a:r>
+              <a:rPr lang="de-CH" dirty="0" smtClean="0"/>
+              <a:t>Mobiles Design</a:t>
+            </a:r>
+          </a:p>
+          <a:p>
+            <a:pPr lvl="1"/>
+            <a:r>
+              <a:rPr lang="de-CH" dirty="0" smtClean="0"/>
+              <a:t>Bootstrap</a:t>
+            </a:r>
+          </a:p>
+          <a:p>
+            <a:pPr lvl="0"/>
+            <a:r>
+              <a:rPr lang="de-CH" dirty="0" err="1" smtClean="0"/>
+              <a:t>Webcrawler</a:t>
+            </a:r>
+            <a:endParaRPr lang="de-CH" dirty="0" smtClean="0"/>
+          </a:p>
+          <a:p>
+            <a:pPr lvl="1"/>
+            <a:r>
+              <a:rPr lang="de-CH" dirty="0" smtClean="0"/>
+              <a:t>RSS Import</a:t>
+            </a:r>
+          </a:p>
+          <a:p>
             <a:endParaRPr lang="de-CH" dirty="0"/>
           </a:p>
         </p:txBody>
@@ -8047,9 +8316,10 @@
           <a:bodyPr/>
           <a:lstStyle/>
           <a:p>
-            <a:fld id="{F1CA413D-6EE2-4853-8BF6-A7CD01CC12D9}" type="datetime1">
+            <a:fld id="{44E3E1D9-49DA-4151-84C2-5430240891AE}" type="datetime1">
               <a:rPr lang="de-CH" smtClean="0"/>
-              <a:t>17.12.2014</a:t>
+              <a:pPr/>
+              <a:t>18.12.2014</a:t>
             </a:fld>
             <a:endParaRPr lang="de-CH"/>
           </a:p>
@@ -8072,6 +8342,7 @@
           <a:p>
             <a:fld id="{A812E00C-4874-474D-8BAC-43B64AB4C925}" type="slidenum">
               <a:rPr lang="de-CH" smtClean="0"/>
+              <a:pPr/>
               <a:t>8</a:t>
             </a:fld>
             <a:endParaRPr lang="de-CH"/>
@@ -8150,7 +8421,7 @@
           <a:p>
             <a:r>
               <a:rPr lang="de-CH" dirty="0" smtClean="0"/>
-              <a:t>Fazit</a:t>
+              <a:t>Demonstration</a:t>
             </a:r>
             <a:endParaRPr lang="de-CH" dirty="0"/>
           </a:p>
@@ -8172,73 +8443,10 @@
           <a:lstStyle/>
           <a:p>
             <a:r>
-              <a:rPr lang="de-CH" dirty="0" err="1" smtClean="0"/>
-              <a:t>Yii</a:t>
-            </a:r>
-            <a:r>
               <a:rPr lang="de-CH" dirty="0" smtClean="0"/>
-              <a:t> wiederverwenden?</a:t>
-            </a:r>
-          </a:p>
-          <a:p>
-            <a:pPr lvl="1"/>
-            <a:r>
-              <a:rPr lang="de-CH" dirty="0" smtClean="0"/>
-              <a:t>Verkürzt die Entwicklungszeit (Generator)</a:t>
-            </a:r>
-          </a:p>
-          <a:p>
-            <a:pPr lvl="1"/>
-            <a:r>
-              <a:rPr lang="de-CH" dirty="0" smtClean="0"/>
-              <a:t>Testen von Funktionalitäten ist einfach (</a:t>
-            </a:r>
-            <a:r>
-              <a:rPr lang="de-CH" dirty="0" err="1" smtClean="0"/>
-              <a:t>unit</a:t>
-            </a:r>
-            <a:r>
-              <a:rPr lang="de-CH" dirty="0" smtClean="0"/>
-              <a:t>, </a:t>
-            </a:r>
-            <a:r>
-              <a:rPr lang="de-CH" dirty="0" err="1" smtClean="0"/>
-              <a:t>functional</a:t>
-            </a:r>
-            <a:r>
-              <a:rPr lang="de-CH" dirty="0" smtClean="0"/>
-              <a:t>, </a:t>
-            </a:r>
-            <a:r>
-              <a:rPr lang="de-CH" dirty="0" err="1" smtClean="0"/>
-              <a:t>acceptance</a:t>
-            </a:r>
-            <a:r>
-              <a:rPr lang="de-CH" dirty="0" smtClean="0"/>
-              <a:t>)</a:t>
-            </a:r>
-          </a:p>
-          <a:p>
-            <a:pPr lvl="1"/>
-            <a:r>
-              <a:rPr lang="de-CH" dirty="0" smtClean="0"/>
-              <a:t>Erweiterbar</a:t>
-            </a:r>
-          </a:p>
-          <a:p>
-            <a:pPr lvl="1"/>
-            <a:r>
-              <a:rPr lang="de-CH" dirty="0" smtClean="0"/>
-              <a:t>Verwendet moderne Webtechnologien</a:t>
-            </a:r>
-            <a:r>
-              <a:rPr lang="de-CH" dirty="0" smtClean="0"/>
-              <a:t> </a:t>
-            </a:r>
-            <a:r>
-              <a:rPr lang="de-CH" dirty="0" smtClean="0"/>
-              <a:t>(Composer)</a:t>
-            </a:r>
+              <a:t>Direkt im Web</a:t>
+            </a:r>
+            <a:endParaRPr lang="de-CH" dirty="0"/>
           </a:p>
         </p:txBody>
       </p:sp>
@@ -8257,9 +8465,10 @@
           <a:bodyPr/>
           <a:lstStyle/>
           <a:p>
-            <a:fld id="{65686959-EC33-4448-9B9C-B1E672272F39}" type="datetime1">
+            <a:fld id="{F1CA413D-6EE2-4853-8BF6-A7CD01CC12D9}" type="datetime1">
               <a:rPr lang="de-CH" smtClean="0"/>
-              <a:t>17.12.2014</a:t>
+              <a:pPr/>
+              <a:t>18.12.2014</a:t>
             </a:fld>
             <a:endParaRPr lang="de-CH"/>
           </a:p>
@@ -8282,6 +8491,7 @@
           <a:p>
             <a:fld id="{A812E00C-4874-474D-8BAC-43B64AB4C925}" type="slidenum">
               <a:rPr lang="de-CH" smtClean="0"/>
+              <a:pPr/>
               <a:t>9</a:t>
             </a:fld>
             <a:endParaRPr lang="de-CH"/>

--- a/_doc/WebProg_Projekt.pptx
+++ b/_doc/WebProg_Projekt.pptx
@@ -6972,11 +6972,7 @@
             </a:r>
             <a:r>
               <a:rPr lang="de-CH" dirty="0" smtClean="0"/>
-              <a:t> – </a:t>
-            </a:r>
-            <a:r>
-              <a:rPr lang="de-CH" dirty="0" smtClean="0"/>
-              <a:t>Framework</a:t>
+              <a:t> – Framework</a:t>
             </a:r>
           </a:p>
           <a:p>
@@ -6985,7 +6981,6 @@
               <a:rPr lang="de-CH" dirty="0" smtClean="0"/>
               <a:t>Vor - Nachteile</a:t>
             </a:r>
-            <a:endParaRPr lang="de-CH" dirty="0" smtClean="0"/>
           </a:p>
           <a:p>
             <a:r>
@@ -7181,11 +7176,7 @@
           <a:p>
             <a:r>
               <a:rPr lang="de-CH" dirty="0" smtClean="0"/>
-              <a:t>Vor und Nachteile </a:t>
-            </a:r>
-            <a:r>
-              <a:rPr lang="de-CH" dirty="0" smtClean="0"/>
-              <a:t>des </a:t>
+              <a:t>Vor und Nachteile des </a:t>
             </a:r>
             <a:r>
               <a:rPr lang="de-CH" dirty="0" err="1" smtClean="0"/>
@@ -7195,7 +7186,6 @@
               <a:rPr lang="de-CH" dirty="0" smtClean="0"/>
               <a:t> Frameworks aufzeigen</a:t>
             </a:r>
-            <a:endParaRPr lang="de-CH" dirty="0" smtClean="0"/>
           </a:p>
           <a:p>
             <a:endParaRPr lang="de-CH" dirty="0" smtClean="0"/>
@@ -7580,7 +7570,7 @@
           <a:blip r:embed="rId2" cstate="print">
             <a:extLst>
               <a:ext uri="{28A0092B-C50C-407E-A947-70E740481C1C}">
-                <a14:useLocalDpi xmlns:lc="http://schemas.openxmlformats.org/drawingml/2006/lockedCanvas" xmlns:pic="http://schemas.openxmlformats.org/drawingml/2006/picture" xmlns="" xmlns:wpc="http://schemas.microsoft.com/office/word/2010/wordprocessingCanvas" xmlns:mc="http://schemas.openxmlformats.org/markup-compatibility/2006" xmlns:o="urn:schemas-microsoft-com:office:office" xmlns:v="urn:schemas-microsoft-com:vml" xmlns:wp14="http://schemas.microsoft.com/office/word/2010/wordprocessingDrawing" xmlns:w10="urn:schemas-microsoft-com:office:word" xmlns:w="http://schemas.openxmlformats.org/wordprocessingml/2006/main" xmlns:w14="http://schemas.microsoft.com/office/word/2010/wordml" xmlns:w15="http://schemas.microsoft.com/office/word/2012/wordml" xmlns:wpg="http://schemas.microsoft.com/office/word/2010/wordprocessingGroup" xmlns:wpi="http://schemas.microsoft.com/office/word/2010/wordprocessingInk" xmlns:wps="http://schemas.microsoft.com/office/word/2010/wordprocessingShape" xmlns:a14="http://schemas.microsoft.com/office/drawing/2010/main" xmlns:wne="http://schemas.microsoft.com/office/word/2006/wordml" xmlns:wp="http://schemas.openxmlformats.org/drawingml/2006/wordprocessingDrawing" xmlns:m="http://schemas.openxmlformats.org/officeDocument/2006/math" xmlns:ve="http://schemas.openxmlformats.org/markup-compatibility/2006" val="0"/>
+                <a14:useLocalDpi xmlns:ve="http://schemas.openxmlformats.org/markup-compatibility/2006" xmlns:m="http://schemas.openxmlformats.org/officeDocument/2006/math" xmlns:wp="http://schemas.openxmlformats.org/drawingml/2006/wordprocessingDrawing" xmlns:wne="http://schemas.microsoft.com/office/word/2006/wordml" xmlns:a14="http://schemas.microsoft.com/office/drawing/2010/main" xmlns:wps="http://schemas.microsoft.com/office/word/2010/wordprocessingShape" xmlns:wpi="http://schemas.microsoft.com/office/word/2010/wordprocessingInk" xmlns:wpg="http://schemas.microsoft.com/office/word/2010/wordprocessingGroup" xmlns:w15="http://schemas.microsoft.com/office/word/2012/wordml" xmlns:w14="http://schemas.microsoft.com/office/word/2010/wordml" xmlns:w="http://schemas.openxmlformats.org/wordprocessingml/2006/main" xmlns:w10="urn:schemas-microsoft-com:office:word" xmlns:wp14="http://schemas.microsoft.com/office/word/2010/wordprocessingDrawing" xmlns:v="urn:schemas-microsoft-com:vml" xmlns:o="urn:schemas-microsoft-com:office:office" xmlns:mc="http://schemas.openxmlformats.org/markup-compatibility/2006" xmlns:wpc="http://schemas.microsoft.com/office/word/2010/wordprocessingCanvas" xmlns="" xmlns:pic="http://schemas.openxmlformats.org/drawingml/2006/picture" xmlns:lc="http://schemas.openxmlformats.org/drawingml/2006/lockedCanvas" val="0"/>
               </a:ext>
             </a:extLst>
           </a:blip>
@@ -7619,7 +7609,7 @@
           <a:blip r:embed="rId3" cstate="print">
             <a:extLst>
               <a:ext uri="{28A0092B-C50C-407E-A947-70E740481C1C}">
-                <a14:useLocalDpi xmlns:lc="http://schemas.openxmlformats.org/drawingml/2006/lockedCanvas" xmlns:pic="http://schemas.openxmlformats.org/drawingml/2006/picture" xmlns="" xmlns:wpc="http://schemas.microsoft.com/office/word/2010/wordprocessingCanvas" xmlns:mc="http://schemas.openxmlformats.org/markup-compatibility/2006" xmlns:o="urn:schemas-microsoft-com:office:office" xmlns:v="urn:schemas-microsoft-com:vml" xmlns:wp14="http://schemas.microsoft.com/office/word/2010/wordprocessingDrawing" xmlns:w10="urn:schemas-microsoft-com:office:word" xmlns:w="http://schemas.openxmlformats.org/wordprocessingml/2006/main" xmlns:w14="http://schemas.microsoft.com/office/word/2010/wordml" xmlns:w15="http://schemas.microsoft.com/office/word/2012/wordml" xmlns:wpg="http://schemas.microsoft.com/office/word/2010/wordprocessingGroup" xmlns:wpi="http://schemas.microsoft.com/office/word/2010/wordprocessingInk" xmlns:wps="http://schemas.microsoft.com/office/word/2010/wordprocessingShape" xmlns:a14="http://schemas.microsoft.com/office/drawing/2010/main" xmlns:wne="http://schemas.microsoft.com/office/word/2006/wordml" xmlns:wp="http://schemas.openxmlformats.org/drawingml/2006/wordprocessingDrawing" xmlns:m="http://schemas.openxmlformats.org/officeDocument/2006/math" xmlns:ve="http://schemas.openxmlformats.org/markup-compatibility/2006" val="0"/>
+                <a14:useLocalDpi xmlns:ve="http://schemas.openxmlformats.org/markup-compatibility/2006" xmlns:m="http://schemas.openxmlformats.org/officeDocument/2006/math" xmlns:wp="http://schemas.openxmlformats.org/drawingml/2006/wordprocessingDrawing" xmlns:wne="http://schemas.microsoft.com/office/word/2006/wordml" xmlns:a14="http://schemas.microsoft.com/office/drawing/2010/main" xmlns:wps="http://schemas.microsoft.com/office/word/2010/wordprocessingShape" xmlns:wpi="http://schemas.microsoft.com/office/word/2010/wordprocessingInk" xmlns:wpg="http://schemas.microsoft.com/office/word/2010/wordprocessingGroup" xmlns:w15="http://schemas.microsoft.com/office/word/2012/wordml" xmlns:w14="http://schemas.microsoft.com/office/word/2010/wordml" xmlns:w="http://schemas.openxmlformats.org/wordprocessingml/2006/main" xmlns:w10="urn:schemas-microsoft-com:office:word" xmlns:wp14="http://schemas.microsoft.com/office/word/2010/wordprocessingDrawing" xmlns:v="urn:schemas-microsoft-com:vml" xmlns:o="urn:schemas-microsoft-com:office:office" xmlns:mc="http://schemas.openxmlformats.org/markup-compatibility/2006" xmlns:wpc="http://schemas.microsoft.com/office/word/2010/wordprocessingCanvas" xmlns="" xmlns:pic="http://schemas.openxmlformats.org/drawingml/2006/picture" xmlns:lc="http://schemas.openxmlformats.org/drawingml/2006/lockedCanvas" val="0"/>
               </a:ext>
             </a:extLst>
           </a:blip>
@@ -7884,11 +7874,7 @@
             <a:pPr lvl="2"/>
             <a:r>
               <a:rPr lang="de-CH" dirty="0" smtClean="0"/>
-              <a:t>Einfacher und sehr strukturierter </a:t>
-            </a:r>
-            <a:r>
-              <a:rPr lang="de-CH" dirty="0" smtClean="0"/>
-              <a:t>Aufbau</a:t>
+              <a:t>Einfacher und sehr strukturierter Aufbau</a:t>
             </a:r>
           </a:p>
           <a:p>
@@ -7904,7 +7890,6 @@
               <a:rPr lang="de-CH" dirty="0" smtClean="0"/>
               <a:t>Viele bereits implementierte Funktionalitäten</a:t>
             </a:r>
-            <a:endParaRPr lang="de-CH" dirty="0" smtClean="0"/>
           </a:p>
           <a:p>
             <a:pPr lvl="1"/>
@@ -7919,7 +7904,6 @@
               <a:rPr lang="de-CH" dirty="0" smtClean="0"/>
               <a:t>Performance ist bei sehr grossen Zugriff nicht so effizient. </a:t>
             </a:r>
-            <a:endParaRPr lang="de-CH" dirty="0" smtClean="0"/>
           </a:p>
         </p:txBody>
       </p:sp>

--- a/_doc/WebProg_Projekt.pptx
+++ b/_doc/WebProg_Projekt.pptx
@@ -6972,7 +6972,11 @@
             </a:r>
             <a:r>
               <a:rPr lang="de-CH" dirty="0" smtClean="0"/>
-              <a:t> – Framework</a:t>
+              <a:t> – </a:t>
+            </a:r>
+            <a:r>
+              <a:rPr lang="de-CH" dirty="0" smtClean="0"/>
+              <a:t>Framework</a:t>
             </a:r>
           </a:p>
           <a:p>
@@ -6981,6 +6985,7 @@
               <a:rPr lang="de-CH" dirty="0" smtClean="0"/>
               <a:t>Vor - Nachteile</a:t>
             </a:r>
+            <a:endParaRPr lang="de-CH" dirty="0" smtClean="0"/>
           </a:p>
           <a:p>
             <a:r>
@@ -7176,7 +7181,11 @@
           <a:p>
             <a:r>
               <a:rPr lang="de-CH" dirty="0" smtClean="0"/>
-              <a:t>Vor und Nachteile des </a:t>
+              <a:t>Vor und Nachteile </a:t>
+            </a:r>
+            <a:r>
+              <a:rPr lang="de-CH" dirty="0" smtClean="0"/>
+              <a:t>des </a:t>
             </a:r>
             <a:r>
               <a:rPr lang="de-CH" dirty="0" err="1" smtClean="0"/>
@@ -7186,6 +7195,7 @@
               <a:rPr lang="de-CH" dirty="0" smtClean="0"/>
               <a:t> Frameworks aufzeigen</a:t>
             </a:r>
+            <a:endParaRPr lang="de-CH" dirty="0" smtClean="0"/>
           </a:p>
           <a:p>
             <a:endParaRPr lang="de-CH" dirty="0" smtClean="0"/>
@@ -7570,7 +7580,7 @@
           <a:blip r:embed="rId2" cstate="print">
             <a:extLst>
               <a:ext uri="{28A0092B-C50C-407E-A947-70E740481C1C}">
-                <a14:useLocalDpi xmlns:ve="http://schemas.openxmlformats.org/markup-compatibility/2006" xmlns:m="http://schemas.openxmlformats.org/officeDocument/2006/math" xmlns:wp="http://schemas.openxmlformats.org/drawingml/2006/wordprocessingDrawing" xmlns:wne="http://schemas.microsoft.com/office/word/2006/wordml" xmlns:a14="http://schemas.microsoft.com/office/drawing/2010/main" xmlns:wps="http://schemas.microsoft.com/office/word/2010/wordprocessingShape" xmlns:wpi="http://schemas.microsoft.com/office/word/2010/wordprocessingInk" xmlns:wpg="http://schemas.microsoft.com/office/word/2010/wordprocessingGroup" xmlns:w15="http://schemas.microsoft.com/office/word/2012/wordml" xmlns:w14="http://schemas.microsoft.com/office/word/2010/wordml" xmlns:w="http://schemas.openxmlformats.org/wordprocessingml/2006/main" xmlns:w10="urn:schemas-microsoft-com:office:word" xmlns:wp14="http://schemas.microsoft.com/office/word/2010/wordprocessingDrawing" xmlns:v="urn:schemas-microsoft-com:vml" xmlns:o="urn:schemas-microsoft-com:office:office" xmlns:mc="http://schemas.openxmlformats.org/markup-compatibility/2006" xmlns:wpc="http://schemas.microsoft.com/office/word/2010/wordprocessingCanvas" xmlns="" xmlns:pic="http://schemas.openxmlformats.org/drawingml/2006/picture" xmlns:lc="http://schemas.openxmlformats.org/drawingml/2006/lockedCanvas" val="0"/>
+                <a14:useLocalDpi xmlns:lc="http://schemas.openxmlformats.org/drawingml/2006/lockedCanvas" xmlns:pic="http://schemas.openxmlformats.org/drawingml/2006/picture" xmlns="" xmlns:wpc="http://schemas.microsoft.com/office/word/2010/wordprocessingCanvas" xmlns:mc="http://schemas.openxmlformats.org/markup-compatibility/2006" xmlns:o="urn:schemas-microsoft-com:office:office" xmlns:v="urn:schemas-microsoft-com:vml" xmlns:wp14="http://schemas.microsoft.com/office/word/2010/wordprocessingDrawing" xmlns:w10="urn:schemas-microsoft-com:office:word" xmlns:w="http://schemas.openxmlformats.org/wordprocessingml/2006/main" xmlns:w14="http://schemas.microsoft.com/office/word/2010/wordml" xmlns:w15="http://schemas.microsoft.com/office/word/2012/wordml" xmlns:wpg="http://schemas.microsoft.com/office/word/2010/wordprocessingGroup" xmlns:wpi="http://schemas.microsoft.com/office/word/2010/wordprocessingInk" xmlns:wps="http://schemas.microsoft.com/office/word/2010/wordprocessingShape" xmlns:a14="http://schemas.microsoft.com/office/drawing/2010/main" xmlns:wne="http://schemas.microsoft.com/office/word/2006/wordml" xmlns:wp="http://schemas.openxmlformats.org/drawingml/2006/wordprocessingDrawing" xmlns:m="http://schemas.openxmlformats.org/officeDocument/2006/math" xmlns:ve="http://schemas.openxmlformats.org/markup-compatibility/2006" val="0"/>
               </a:ext>
             </a:extLst>
           </a:blip>
@@ -7609,7 +7619,7 @@
           <a:blip r:embed="rId3" cstate="print">
             <a:extLst>
               <a:ext uri="{28A0092B-C50C-407E-A947-70E740481C1C}">
-                <a14:useLocalDpi xmlns:ve="http://schemas.openxmlformats.org/markup-compatibility/2006" xmlns:m="http://schemas.openxmlformats.org/officeDocument/2006/math" xmlns:wp="http://schemas.openxmlformats.org/drawingml/2006/wordprocessingDrawing" xmlns:wne="http://schemas.microsoft.com/office/word/2006/wordml" xmlns:a14="http://schemas.microsoft.com/office/drawing/2010/main" xmlns:wps="http://schemas.microsoft.com/office/word/2010/wordprocessingShape" xmlns:wpi="http://schemas.microsoft.com/office/word/2010/wordprocessingInk" xmlns:wpg="http://schemas.microsoft.com/office/word/2010/wordprocessingGroup" xmlns:w15="http://schemas.microsoft.com/office/word/2012/wordml" xmlns:w14="http://schemas.microsoft.com/office/word/2010/wordml" xmlns:w="http://schemas.openxmlformats.org/wordprocessingml/2006/main" xmlns:w10="urn:schemas-microsoft-com:office:word" xmlns:wp14="http://schemas.microsoft.com/office/word/2010/wordprocessingDrawing" xmlns:v="urn:schemas-microsoft-com:vml" xmlns:o="urn:schemas-microsoft-com:office:office" xmlns:mc="http://schemas.openxmlformats.org/markup-compatibility/2006" xmlns:wpc="http://schemas.microsoft.com/office/word/2010/wordprocessingCanvas" xmlns="" xmlns:pic="http://schemas.openxmlformats.org/drawingml/2006/picture" xmlns:lc="http://schemas.openxmlformats.org/drawingml/2006/lockedCanvas" val="0"/>
+                <a14:useLocalDpi xmlns:lc="http://schemas.openxmlformats.org/drawingml/2006/lockedCanvas" xmlns:pic="http://schemas.openxmlformats.org/drawingml/2006/picture" xmlns="" xmlns:wpc="http://schemas.microsoft.com/office/word/2010/wordprocessingCanvas" xmlns:mc="http://schemas.openxmlformats.org/markup-compatibility/2006" xmlns:o="urn:schemas-microsoft-com:office:office" xmlns:v="urn:schemas-microsoft-com:vml" xmlns:wp14="http://schemas.microsoft.com/office/word/2010/wordprocessingDrawing" xmlns:w10="urn:schemas-microsoft-com:office:word" xmlns:w="http://schemas.openxmlformats.org/wordprocessingml/2006/main" xmlns:w14="http://schemas.microsoft.com/office/word/2010/wordml" xmlns:w15="http://schemas.microsoft.com/office/word/2012/wordml" xmlns:wpg="http://schemas.microsoft.com/office/word/2010/wordprocessingGroup" xmlns:wpi="http://schemas.microsoft.com/office/word/2010/wordprocessingInk" xmlns:wps="http://schemas.microsoft.com/office/word/2010/wordprocessingShape" xmlns:a14="http://schemas.microsoft.com/office/drawing/2010/main" xmlns:wne="http://schemas.microsoft.com/office/word/2006/wordml" xmlns:wp="http://schemas.openxmlformats.org/drawingml/2006/wordprocessingDrawing" xmlns:m="http://schemas.openxmlformats.org/officeDocument/2006/math" xmlns:ve="http://schemas.openxmlformats.org/markup-compatibility/2006" val="0"/>
               </a:ext>
             </a:extLst>
           </a:blip>
@@ -7874,7 +7884,11 @@
             <a:pPr lvl="2"/>
             <a:r>
               <a:rPr lang="de-CH" dirty="0" smtClean="0"/>
-              <a:t>Einfacher und sehr strukturierter Aufbau</a:t>
+              <a:t>Einfacher und sehr strukturierter </a:t>
+            </a:r>
+            <a:r>
+              <a:rPr lang="de-CH" dirty="0" smtClean="0"/>
+              <a:t>Aufbau</a:t>
             </a:r>
           </a:p>
           <a:p>
@@ -7890,6 +7904,7 @@
               <a:rPr lang="de-CH" dirty="0" smtClean="0"/>
               <a:t>Viele bereits implementierte Funktionalitäten</a:t>
             </a:r>
+            <a:endParaRPr lang="de-CH" dirty="0" smtClean="0"/>
           </a:p>
           <a:p>
             <a:pPr lvl="1"/>
@@ -7904,6 +7919,7 @@
               <a:rPr lang="de-CH" dirty="0" smtClean="0"/>
               <a:t>Performance ist bei sehr grossen Zugriff nicht so effizient. </a:t>
             </a:r>
+            <a:endParaRPr lang="de-CH" dirty="0" smtClean="0"/>
           </a:p>
         </p:txBody>
       </p:sp>
